--- a/Cranium_.pptx
+++ b/Cranium_.pptx
@@ -3891,10 +3891,15 @@
             <p:ph type="subTitle" idx="1"/>
           </p:nvPr>
         </p:nvSpPr>
-        <p:spPr/>
+        <p:spPr>
+          <a:xfrm>
+            <a:off x="2679906" y="3956279"/>
+            <a:ext cx="6831673" cy="1887930"/>
+          </a:xfrm>
+        </p:spPr>
         <p:txBody>
           <a:bodyPr>
-            <a:normAutofit fontScale="62500" lnSpcReduction="20000"/>
+            <a:normAutofit fontScale="85000" lnSpcReduction="20000"/>
           </a:bodyPr>
           <a:lstStyle/>
           <a:p>
@@ -3917,8 +3922,18 @@
           </a:p>
           <a:p>
             <a:r>
-              <a:rPr lang="en-US"/>
+              <a:rPr lang="en-US" dirty="0"/>
               <a:t>Kyle Turner</a:t>
+            </a:r>
+          </a:p>
+          <a:p>
+            <a:r>
+              <a:rPr lang="en-US" dirty="0"/>
+              <a:t>Michael </a:t>
+            </a:r>
+            <a:r>
+              <a:rPr lang="en-US"/>
+              <a:t>Mosquera</a:t>
             </a:r>
             <a:endParaRPr lang="en-US" dirty="0"/>
           </a:p>
@@ -3931,6 +3946,9 @@
               <a:rPr lang="en-US" dirty="0" err="1"/>
               <a:t>Dorton</a:t>
             </a:r>
+            <a:endParaRPr lang="en-US" dirty="0"/>
+          </a:p>
+          <a:p>
             <a:endParaRPr lang="en-US" dirty="0"/>
           </a:p>
         </p:txBody>
@@ -4805,11 +4823,7 @@
           <a:p>
             <a:r>
               <a:rPr lang="en-US" dirty="0"/>
-              <a:t>Michael </a:t>
-            </a:r>
-            <a:r>
-              <a:rPr lang="en-US" dirty="0"/>
-              <a:t>– Dice </a:t>
+              <a:t>Michael – Dice </a:t>
             </a:r>
             <a:r>
               <a:rPr lang="en-US"/>
